--- a/Wk3/Duel Version final/Duel_Flowchart.pptx
+++ b/Wk3/Duel Version final/Duel_Flowchart.pptx
@@ -288,7 +288,7 @@
           <a:p>
             <a:fld id="{E90EF2B8-AB98-2C4D-B1F8-1F0994E7CEB1}" type="datetimeFigureOut">
               <a:rPr lang="en-US" smtClean="0"/>
-              <a:t>12/3/14</a:t>
+              <a:t>12/12/14</a:t>
             </a:fld>
             <a:endParaRPr lang="en-US"/>
           </a:p>
@@ -458,7 +458,7 @@
           <a:p>
             <a:fld id="{E90EF2B8-AB98-2C4D-B1F8-1F0994E7CEB1}" type="datetimeFigureOut">
               <a:rPr lang="en-US" smtClean="0"/>
-              <a:t>12/3/14</a:t>
+              <a:t>12/12/14</a:t>
             </a:fld>
             <a:endParaRPr lang="en-US"/>
           </a:p>
@@ -638,7 +638,7 @@
           <a:p>
             <a:fld id="{E90EF2B8-AB98-2C4D-B1F8-1F0994E7CEB1}" type="datetimeFigureOut">
               <a:rPr lang="en-US" smtClean="0"/>
-              <a:t>12/3/14</a:t>
+              <a:t>12/12/14</a:t>
             </a:fld>
             <a:endParaRPr lang="en-US"/>
           </a:p>
@@ -808,7 +808,7 @@
           <a:p>
             <a:fld id="{E90EF2B8-AB98-2C4D-B1F8-1F0994E7CEB1}" type="datetimeFigureOut">
               <a:rPr lang="en-US" smtClean="0"/>
-              <a:t>12/3/14</a:t>
+              <a:t>12/12/14</a:t>
             </a:fld>
             <a:endParaRPr lang="en-US"/>
           </a:p>
@@ -1054,7 +1054,7 @@
           <a:p>
             <a:fld id="{E90EF2B8-AB98-2C4D-B1F8-1F0994E7CEB1}" type="datetimeFigureOut">
               <a:rPr lang="en-US" smtClean="0"/>
-              <a:t>12/3/14</a:t>
+              <a:t>12/12/14</a:t>
             </a:fld>
             <a:endParaRPr lang="en-US"/>
           </a:p>
@@ -1342,7 +1342,7 @@
           <a:p>
             <a:fld id="{E90EF2B8-AB98-2C4D-B1F8-1F0994E7CEB1}" type="datetimeFigureOut">
               <a:rPr lang="en-US" smtClean="0"/>
-              <a:t>12/3/14</a:t>
+              <a:t>12/12/14</a:t>
             </a:fld>
             <a:endParaRPr lang="en-US"/>
           </a:p>
@@ -1764,7 +1764,7 @@
           <a:p>
             <a:fld id="{E90EF2B8-AB98-2C4D-B1F8-1F0994E7CEB1}" type="datetimeFigureOut">
               <a:rPr lang="en-US" smtClean="0"/>
-              <a:t>12/3/14</a:t>
+              <a:t>12/12/14</a:t>
             </a:fld>
             <a:endParaRPr lang="en-US"/>
           </a:p>
@@ -1882,7 +1882,7 @@
           <a:p>
             <a:fld id="{E90EF2B8-AB98-2C4D-B1F8-1F0994E7CEB1}" type="datetimeFigureOut">
               <a:rPr lang="en-US" smtClean="0"/>
-              <a:t>12/3/14</a:t>
+              <a:t>12/12/14</a:t>
             </a:fld>
             <a:endParaRPr lang="en-US"/>
           </a:p>
@@ -1977,7 +1977,7 @@
           <a:p>
             <a:fld id="{E90EF2B8-AB98-2C4D-B1F8-1F0994E7CEB1}" type="datetimeFigureOut">
               <a:rPr lang="en-US" smtClean="0"/>
-              <a:t>12/3/14</a:t>
+              <a:t>12/12/14</a:t>
             </a:fld>
             <a:endParaRPr lang="en-US"/>
           </a:p>
@@ -2254,7 +2254,7 @@
           <a:p>
             <a:fld id="{E90EF2B8-AB98-2C4D-B1F8-1F0994E7CEB1}" type="datetimeFigureOut">
               <a:rPr lang="en-US" smtClean="0"/>
-              <a:t>12/3/14</a:t>
+              <a:t>12/12/14</a:t>
             </a:fld>
             <a:endParaRPr lang="en-US"/>
           </a:p>
@@ -2507,7 +2507,7 @@
           <a:p>
             <a:fld id="{E90EF2B8-AB98-2C4D-B1F8-1F0994E7CEB1}" type="datetimeFigureOut">
               <a:rPr lang="en-US" smtClean="0"/>
-              <a:t>12/3/14</a:t>
+              <a:t>12/12/14</a:t>
             </a:fld>
             <a:endParaRPr lang="en-US"/>
           </a:p>
@@ -2720,7 +2720,7 @@
           <a:p>
             <a:fld id="{E90EF2B8-AB98-2C4D-B1F8-1F0994E7CEB1}" type="datetimeFigureOut">
               <a:rPr lang="en-US" smtClean="0"/>
-              <a:t>12/3/14</a:t>
+              <a:t>12/12/14</a:t>
             </a:fld>
             <a:endParaRPr lang="en-US"/>
           </a:p>
@@ -3632,7 +3632,7 @@
         <p:spPr>
           <a:xfrm>
             <a:off x="1685378" y="8920136"/>
-            <a:ext cx="2494230" cy="369332"/>
+            <a:ext cx="1465515" cy="369332"/>
           </a:xfrm>
           <a:prstGeom prst="rect">
             <a:avLst/>
@@ -3646,8 +3646,8 @@
           <a:lstStyle/>
           <a:p>
             <a:r>
-              <a:rPr lang="en-US" dirty="0" smtClean="0"/>
-              <a:t>Print damage and health </a:t>
+              <a:rPr lang="en-US" smtClean="0"/>
+              <a:t>DOM Defined </a:t>
             </a:r>
             <a:endParaRPr lang="en-US" dirty="0"/>
           </a:p>
@@ -4766,7 +4766,7 @@
         <p:spPr>
           <a:xfrm>
             <a:off x="382135" y="630916"/>
-            <a:ext cx="3003547" cy="584776"/>
+            <a:ext cx="1084952" cy="584776"/>
           </a:xfrm>
           <a:prstGeom prst="rect">
             <a:avLst/>
@@ -4781,7 +4781,7 @@
           <a:p>
             <a:r>
               <a:rPr lang="en-US" sz="3200" b="1" dirty="0" smtClean="0"/>
-              <a:t>DUEL VERSION 2</a:t>
+              <a:t>DUEL </a:t>
             </a:r>
             <a:endParaRPr lang="en-US" sz="3200" b="1" dirty="0"/>
           </a:p>
